--- a/DMDD PPT Final.pptx
+++ b/DMDD PPT Final.pptx
@@ -26547,7 +26547,7 @@
             <p:ph idx="1"/>
             <p:extLst>
               <p:ext uri="{D42A27DB-BD31-4B8C-83A1-F6EECF244321}">
-                <p14:modId xmlns:p14="http://schemas.microsoft.com/office/powerpoint/2010/main" val="1986759276"/>
+                <p14:modId xmlns:p14="http://schemas.microsoft.com/office/powerpoint/2010/main" val="3849334152"/>
               </p:ext>
             </p:extLst>
           </p:nvPr>
@@ -26715,7 +26715,15 @@
                     <a:p>
                       <a:r>
                         <a:rPr lang="en-US" dirty="0"/>
-                        <a:t>Customer_Order_details. Index :- product_stock_index.  Grant : User Roles.</a:t>
+                        <a:t>Customer_Order_details. </a:t>
+                      </a:r>
+                      <a:r>
+                        <a:rPr lang="en-US"/>
+                        <a:t>Index : </a:t>
+                      </a:r>
+                      <a:r>
+                        <a:rPr lang="en-US" dirty="0"/>
+                        <a:t>product_stock_index.  Grant : User Roles.</a:t>
                       </a:r>
                     </a:p>
                     <a:p>
@@ -26760,7 +26768,15 @@
                     <a:p>
                       <a:r>
                         <a:rPr lang="en-US" dirty="0"/>
-                        <a:t>DDL/DML: Inserted values into store, customers, orders. Views :- Supplier_Store_details, order_details. Trigger :- order_trigger. Sequence : order_id, product_id. Exception Handling of Views, Package.</a:t>
+                        <a:t>DDL/DML: Inserted values into store, customers, orders. Views :</a:t>
+                      </a:r>
+                      <a:r>
+                        <a:rPr lang="en-US" dirty="0" err="1"/>
+                        <a:t>order_details</a:t>
+                      </a:r>
+                      <a:r>
+                        <a:rPr lang="en-US" dirty="0"/>
+                        <a:t>. Trigger : order_trigger. Sequence : order_id, product_id. Exception Handling of Views, Package.</a:t>
                       </a:r>
                     </a:p>
                   </a:txBody>
@@ -26881,17 +26897,9 @@
                 <a:ea typeface="+mn-lt"/>
                 <a:cs typeface="+mn-lt"/>
               </a:rPr>
-              <a:t>In the traditional method, the management does not have a systematic record to keep a track of their inventory data. The data entered in the logbook sometimes gets lost if it is not secured correctly. There is a possibility of human errors in the records maintained as the process is carried out manually and it will be difficult to estimate </a:t>
+              <a:t>In the traditional method, the management does not have a systematic record to keep a track of their inventory data. The data entered in the logbook sometimes gets lost if it is not secured correctly. There is a possibility of human errors in the records maintained as the process is carried out manually and it will be difficult to estimate the sales.</a:t>
             </a:r>
-            <a:r>
-              <a:rPr lang="en-US" sz="2000">
-                <a:latin typeface="Times New Roman"/>
-                <a:ea typeface="+mn-lt"/>
-                <a:cs typeface="+mn-lt"/>
-              </a:rPr>
-              <a:t>the sales.</a:t>
-            </a:r>
-            <a:endParaRPr lang="en-US" sz="2000">
+            <a:endParaRPr lang="en-US" sz="2000" dirty="0">
               <a:latin typeface="Times New Roman"/>
               <a:cs typeface="Sabon Next LT"/>
             </a:endParaRPr>
